--- a/DocumentationPresentation.pptx
+++ b/DocumentationPresentation.pptx
@@ -5985,13 +5985,8 @@
             </a:pPr>
             <a:r>
               <a:rPr lang="en-US" dirty="0"/>
-              <a:t>More context information would be useful, but still </a:t>
-            </a:r>
-            <a:r>
-              <a:rPr lang="en-US"/>
-              <a:t>robust enough for most users</a:t>
-            </a:r>
-            <a:endParaRPr lang="en-US" dirty="0"/>
+              <a:t>More context information would be useful, but still robust enough for most users</a:t>
+            </a:r>
           </a:p>
           <a:p>
             <a:endParaRPr lang="en-US" dirty="0"/>
